--- a/Resources/Build-On-4.pptx
+++ b/Resources/Build-On-4.pptx
@@ -208,7 +208,7 @@
           <a:p>
             <a:fld id="{0848BC6B-9879-4A5D-9ADD-7A7EC6F9DCFC}" type="datetimeFigureOut">
               <a:rPr lang="en-US" smtClean="0"/>
-              <a:t>3/23/2021</a:t>
+              <a:t>3/25/2021</a:t>
             </a:fld>
             <a:endParaRPr lang="en-US"/>
           </a:p>
@@ -622,7 +622,7 @@
           <a:p>
             <a:fld id="{743C5819-F2F0-4635-8846-E0D7F1235C4A}" type="datetime1">
               <a:rPr lang="en-US" smtClean="0"/>
-              <a:t>3/23/2021</a:t>
+              <a:t>3/25/2021</a:t>
             </a:fld>
             <a:endParaRPr lang="en-US"/>
           </a:p>
@@ -820,7 +820,7 @@
           <a:p>
             <a:fld id="{F9B384AA-5F95-4C33-968F-4281EE1C5D31}" type="datetime1">
               <a:rPr lang="en-US" smtClean="0"/>
-              <a:t>3/23/2021</a:t>
+              <a:t>3/25/2021</a:t>
             </a:fld>
             <a:endParaRPr lang="en-US"/>
           </a:p>
@@ -1028,7 +1028,7 @@
           <a:p>
             <a:fld id="{598AD886-C01A-47D5-80DD-8DE49FB67408}" type="datetime1">
               <a:rPr lang="en-US" smtClean="0"/>
-              <a:t>3/23/2021</a:t>
+              <a:t>3/25/2021</a:t>
             </a:fld>
             <a:endParaRPr lang="en-US"/>
           </a:p>
@@ -1226,7 +1226,7 @@
           <a:p>
             <a:fld id="{8D903533-41AC-45E1-9689-7E372F906C46}" type="datetime1">
               <a:rPr lang="en-US" smtClean="0"/>
-              <a:t>3/23/2021</a:t>
+              <a:t>3/25/2021</a:t>
             </a:fld>
             <a:endParaRPr lang="en-US"/>
           </a:p>
@@ -1506,7 +1506,7 @@
           <a:p>
             <a:fld id="{D64A9379-CA54-45F7-9973-2CA70E9FE0DA}" type="datetime1">
               <a:rPr lang="en-US" smtClean="0"/>
-              <a:t>3/23/2021</a:t>
+              <a:t>3/25/2021</a:t>
             </a:fld>
             <a:endParaRPr lang="en-US"/>
           </a:p>
@@ -1771,7 +1771,7 @@
           <a:p>
             <a:fld id="{F20E10C4-1FFF-436D-9146-BCABA5CCABDC}" type="datetime1">
               <a:rPr lang="en-US" smtClean="0"/>
-              <a:t>3/23/2021</a:t>
+              <a:t>3/25/2021</a:t>
             </a:fld>
             <a:endParaRPr lang="en-US"/>
           </a:p>
@@ -2183,7 +2183,7 @@
           <a:p>
             <a:fld id="{870AAD3C-0B7E-40D5-B7E8-235ABB682731}" type="datetime1">
               <a:rPr lang="en-US" smtClean="0"/>
-              <a:t>3/23/2021</a:t>
+              <a:t>3/25/2021</a:t>
             </a:fld>
             <a:endParaRPr lang="en-US"/>
           </a:p>
@@ -2324,7 +2324,7 @@
           <a:p>
             <a:fld id="{715EE6D3-C8C1-4419-90ED-DDD01668DDC0}" type="datetime1">
               <a:rPr lang="en-US" smtClean="0"/>
-              <a:t>3/23/2021</a:t>
+              <a:t>3/25/2021</a:t>
             </a:fld>
             <a:endParaRPr lang="en-US"/>
           </a:p>
@@ -2437,7 +2437,7 @@
           <a:p>
             <a:fld id="{38FB8FDC-B18A-4FED-99B0-72D3BD16FACD}" type="datetime1">
               <a:rPr lang="en-US" smtClean="0"/>
-              <a:t>3/23/2021</a:t>
+              <a:t>3/25/2021</a:t>
             </a:fld>
             <a:endParaRPr lang="en-US"/>
           </a:p>
@@ -2748,7 +2748,7 @@
           <a:p>
             <a:fld id="{CE06BDA3-8907-4DB2-BA4F-01F17DDA4A7B}" type="datetime1">
               <a:rPr lang="en-US" smtClean="0"/>
-              <a:t>3/23/2021</a:t>
+              <a:t>3/25/2021</a:t>
             </a:fld>
             <a:endParaRPr lang="en-US"/>
           </a:p>
@@ -3036,7 +3036,7 @@
           <a:p>
             <a:fld id="{E0CFAD89-B4BD-4F37-9D8A-960352BCDA8C}" type="datetime1">
               <a:rPr lang="en-US" smtClean="0"/>
-              <a:t>3/23/2021</a:t>
+              <a:t>3/25/2021</a:t>
             </a:fld>
             <a:endParaRPr lang="en-US"/>
           </a:p>
@@ -3277,7 +3277,7 @@
           <a:p>
             <a:fld id="{216CC113-4E9F-451A-BC11-83685A596D60}" type="datetime1">
               <a:rPr lang="en-US" smtClean="0"/>
-              <a:t>3/23/2021</a:t>
+              <a:t>3/25/2021</a:t>
             </a:fld>
             <a:endParaRPr lang="en-US"/>
           </a:p>
@@ -5231,160 +5231,154 @@
           <a:lstStyle/>
           <a:p>
             <a:r>
-              <a:rPr lang="en-US" sz="2400" dirty="0">
+              <a:rPr lang="en-US" sz="2000" dirty="0">
                 <a:hlinkClick r:id="rId2"/>
               </a:rPr>
-              <a:t>Step #1</a:t>
-            </a:r>
-            <a:r>
-              <a:rPr lang="en-US" sz="2400" dirty="0"/>
-              <a:t> - </a:t>
-            </a:r>
-            <a:r>
-              <a:rPr lang="en-US" sz="2400" dirty="0" err="1"/>
-              <a:t>TextSearch</a:t>
-            </a:r>
-            <a:endParaRPr lang="en-US" sz="2400" dirty="0"/>
+              <a:t>Step #2</a:t>
+            </a:r>
+            <a:r>
+              <a:rPr lang="en-US" sz="2000" dirty="0"/>
+              <a:t> – </a:t>
+            </a:r>
+            <a:r>
+              <a:rPr lang="en-US" sz="2000" dirty="0" err="1"/>
+              <a:t>DirNav</a:t>
+            </a:r>
+            <a:endParaRPr lang="en-US" sz="2000" dirty="0"/>
           </a:p>
           <a:p>
             <a:pPr lvl="1"/>
             <a:r>
-              <a:rPr lang="en-US" sz="2000" dirty="0">
+              <a:rPr lang="en-US" sz="1800" dirty="0">
                 <a:hlinkClick r:id="rId3"/>
               </a:rPr>
-              <a:t>A </a:t>
-            </a:r>
-            <a:r>
-              <a:rPr lang="en-US" sz="2000" dirty="0" err="1">
-                <a:hlinkClick r:id="rId3"/>
-              </a:rPr>
-              <a:t>TextSearch</a:t>
-            </a:r>
+              <a:t>Solution Code</a:t>
+            </a:r>
+            <a:endParaRPr lang="en-US" sz="1800" dirty="0"/>
+          </a:p>
+          <a:p>
+            <a:pPr lvl="1"/>
+            <a:r>
+              <a:rPr lang="en-US" sz="1800" dirty="0"/>
+              <a:t>Generate documentation</a:t>
+            </a:r>
+          </a:p>
+          <a:p>
+            <a:pPr lvl="2"/>
+            <a:r>
+              <a:rPr lang="en-US" sz="1400" dirty="0"/>
+              <a:t>Document-private-items</a:t>
+            </a:r>
+          </a:p>
+          <a:p>
+            <a:pPr lvl="2"/>
+            <a:r>
+              <a:rPr lang="en-US" sz="1400" dirty="0"/>
+              <a:t>Run </a:t>
+            </a:r>
+            <a:r>
+              <a:rPr lang="en-US" sz="1400" dirty="0" err="1"/>
+              <a:t>clippy</a:t>
+            </a:r>
+            <a:endParaRPr lang="en-US" sz="1400" dirty="0"/>
+          </a:p>
+          <a:p>
             <a:r>
               <a:rPr lang="en-US" sz="2000" dirty="0">
-                <a:hlinkClick r:id="rId3"/>
-              </a:rPr>
-              <a:t> Solution</a:t>
-            </a:r>
-            <a:endParaRPr lang="en-US" sz="2000" dirty="0"/>
-          </a:p>
-          <a:p>
-            <a:r>
-              <a:rPr lang="en-US" sz="2400" dirty="0">
                 <a:hlinkClick r:id="rId4"/>
               </a:rPr>
-              <a:t>Step #2</a:t>
-            </a:r>
-            <a:r>
-              <a:rPr lang="en-US" sz="2400" dirty="0"/>
+              <a:t>Step #3</a:t>
+            </a:r>
+            <a:r>
+              <a:rPr lang="en-US" sz="2000" dirty="0"/>
               <a:t> – </a:t>
             </a:r>
             <a:r>
-              <a:rPr lang="en-US" sz="2400" dirty="0" err="1"/>
-              <a:t>DirNav</a:t>
-            </a:r>
-            <a:endParaRPr lang="en-US" sz="2400" dirty="0"/>
+              <a:rPr lang="en-US" sz="2000" dirty="0" err="1"/>
+              <a:t>CmdlnParser</a:t>
+            </a:r>
+            <a:endParaRPr lang="en-US" sz="2000" dirty="0"/>
           </a:p>
           <a:p>
             <a:pPr lvl="1"/>
             <a:r>
-              <a:rPr lang="en-US" sz="2000" dirty="0">
-                <a:hlinkClick r:id="rId5"/>
-              </a:rPr>
-              <a:t>Solution Code</a:t>
-            </a:r>
-            <a:endParaRPr lang="en-US" sz="2000" dirty="0"/>
+              <a:rPr lang="en-US" sz="1800" dirty="0"/>
+              <a:t>No starter code</a:t>
+            </a:r>
           </a:p>
           <a:p>
             <a:pPr lvl="1"/>
             <a:r>
+              <a:rPr lang="en-US" sz="1800" dirty="0"/>
+              <a:t>Design ideas</a:t>
+            </a:r>
+          </a:p>
+          <a:p>
+            <a:pPr lvl="2"/>
+            <a:r>
+              <a:rPr lang="en-US" sz="1400" dirty="0"/>
+              <a:t>Run parser</a:t>
+            </a:r>
+          </a:p>
+          <a:p>
+            <a:r>
+              <a:rPr lang="en-US" sz="2000" dirty="0" err="1"/>
+              <a:t>CParser</a:t>
+            </a:r>
+            <a:r>
               <a:rPr lang="en-US" sz="2000" dirty="0"/>
-              <a:t>Generate documentation</a:t>
+              <a:t> Design</a:t>
+            </a:r>
+          </a:p>
+          <a:p>
+            <a:pPr lvl="1"/>
+            <a:r>
+              <a:rPr lang="en-US" sz="1800" dirty="0" err="1"/>
+              <a:t>Hashmap</a:t>
+            </a:r>
+            <a:r>
+              <a:rPr lang="en-US" sz="1800" dirty="0"/>
+              <a:t>&lt;String, </a:t>
+            </a:r>
+            <a:r>
+              <a:rPr lang="en-US" sz="1800" dirty="0" err="1"/>
+              <a:t>Vec</a:t>
+            </a:r>
+            <a:r>
+              <a:rPr lang="en-US" sz="1800" dirty="0"/>
+              <a:t>&lt;String&gt;&gt;</a:t>
+            </a:r>
+          </a:p>
+          <a:p>
+            <a:pPr lvl="1"/>
+            <a:r>
+              <a:rPr lang="en-US" sz="1800" dirty="0"/>
+              <a:t>Two parts</a:t>
             </a:r>
           </a:p>
           <a:p>
             <a:pPr lvl="2"/>
             <a:r>
-              <a:rPr lang="en-US" sz="1600" dirty="0"/>
-              <a:t>Document-private-items</a:t>
+              <a:rPr lang="en-US" sz="1400" dirty="0"/>
+              <a:t>Reusable parser</a:t>
             </a:r>
           </a:p>
           <a:p>
             <a:pPr lvl="2"/>
             <a:r>
-              <a:rPr lang="en-US" sz="1600" dirty="0"/>
-              <a:t>Run </a:t>
-            </a:r>
-            <a:r>
-              <a:rPr lang="en-US" sz="1600" dirty="0" err="1"/>
-              <a:t>clippy</a:t>
-            </a:r>
-            <a:endParaRPr lang="en-US" sz="1600" dirty="0"/>
-          </a:p>
-          <a:p>
-            <a:r>
-              <a:rPr lang="en-US" sz="2400" dirty="0">
-                <a:hlinkClick r:id="rId6"/>
-              </a:rPr>
-              <a:t>Step #3</a:t>
-            </a:r>
-            <a:r>
-              <a:rPr lang="en-US" sz="2400" dirty="0"/>
-              <a:t> – </a:t>
-            </a:r>
-            <a:r>
-              <a:rPr lang="en-US" sz="2400" dirty="0" err="1"/>
-              <a:t>CmdlnParser</a:t>
-            </a:r>
-            <a:endParaRPr lang="en-US" sz="2400" dirty="0"/>
-          </a:p>
-          <a:p>
-            <a:pPr lvl="1"/>
-            <a:r>
-              <a:rPr lang="en-US" sz="2000" dirty="0"/>
-              <a:t>No starter code</a:t>
-            </a:r>
-          </a:p>
-          <a:p>
-            <a:pPr lvl="1"/>
-            <a:r>
-              <a:rPr lang="en-US" sz="2000" dirty="0"/>
-              <a:t>Design ideas</a:t>
-            </a:r>
-          </a:p>
-          <a:p>
-            <a:pPr lvl="2"/>
-            <a:r>
-              <a:rPr lang="en-US" sz="1600" dirty="0"/>
-              <a:t>Run parser</a:t>
-            </a:r>
-          </a:p>
-          <a:p>
-            <a:r>
-              <a:rPr lang="en-US" sz="2400" dirty="0" err="1">
-                <a:hlinkClick r:id="rId7"/>
-              </a:rPr>
-              <a:t>BuildOn</a:t>
-            </a:r>
-            <a:r>
-              <a:rPr lang="en-US" sz="2400" dirty="0"/>
-              <a:t> – click on </a:t>
-            </a:r>
-            <a:r>
-              <a:rPr lang="en-US" sz="2400" dirty="0" err="1"/>
-              <a:t>BuildOn</a:t>
-            </a:r>
-            <a:r>
-              <a:rPr lang="en-US" sz="2400" dirty="0"/>
-              <a:t> code</a:t>
-            </a:r>
+              <a:rPr lang="en-US" sz="1400" dirty="0"/>
+              <a:t>Application specific attributes w/defaults </a:t>
+            </a:r>
+            <a:endParaRPr lang="en-US" sz="1400" dirty="0">
+              <a:hlinkClick r:id="rId5"/>
+            </a:endParaRPr>
           </a:p>
           <a:p>
             <a:pPr marL="0" indent="0">
               <a:buNone/>
             </a:pPr>
-            <a:endParaRPr lang="en-US" sz="2400" dirty="0">
-              <a:hlinkClick r:id="rId8"/>
+            <a:endParaRPr lang="en-US" sz="2000" dirty="0">
+              <a:hlinkClick r:id="rId6"/>
             </a:endParaRPr>
           </a:p>
         </p:txBody>
@@ -5466,100 +5460,70 @@
           <a:lstStyle/>
           <a:p>
             <a:r>
-              <a:rPr lang="en-US" sz="2400" dirty="0" err="1"/>
-              <a:t>CParser</a:t>
-            </a:r>
-            <a:r>
-              <a:rPr lang="en-US" sz="2400" dirty="0"/>
-              <a:t> Design</a:t>
-            </a:r>
-          </a:p>
-          <a:p>
-            <a:pPr lvl="1"/>
+              <a:rPr lang="en-US" sz="2000" dirty="0" err="1">
+                <a:hlinkClick r:id="rId7"/>
+              </a:rPr>
+              <a:t>BuildOn</a:t>
+            </a:r>
+            <a:r>
+              <a:rPr lang="en-US" sz="2000" dirty="0"/>
+              <a:t> – click on </a:t>
+            </a:r>
             <a:r>
               <a:rPr lang="en-US" sz="2000" dirty="0" err="1"/>
-              <a:t>Hashmap</a:t>
+              <a:t>BuildOn</a:t>
             </a:r>
             <a:r>
               <a:rPr lang="en-US" sz="2000" dirty="0"/>
-              <a:t>&lt;String, </a:t>
-            </a:r>
-            <a:r>
-              <a:rPr lang="en-US" sz="2000" dirty="0" err="1"/>
-              <a:t>Vec</a:t>
-            </a:r>
-            <a:r>
-              <a:rPr lang="en-US" sz="2000" dirty="0"/>
-              <a:t>&lt;String&gt;&gt;</a:t>
-            </a:r>
-          </a:p>
-          <a:p>
-            <a:pPr lvl="1"/>
-            <a:r>
-              <a:rPr lang="en-US" sz="2000" dirty="0"/>
-              <a:t>Two parts</a:t>
-            </a:r>
-          </a:p>
-          <a:p>
-            <a:pPr lvl="2"/>
-            <a:r>
-              <a:rPr lang="en-US" sz="1600" dirty="0"/>
-              <a:t>Reusable parser</a:t>
-            </a:r>
-          </a:p>
-          <a:p>
-            <a:pPr lvl="2"/>
-            <a:r>
-              <a:rPr lang="en-US" sz="1600" dirty="0"/>
-              <a:t>Application specific attributes w/defaults </a:t>
-            </a:r>
-            <a:endParaRPr lang="en-US" sz="1600" dirty="0">
-              <a:hlinkClick r:id="rId9"/>
+              <a:t> code</a:t>
+            </a:r>
+            <a:endParaRPr lang="en-US" sz="2000" dirty="0">
+              <a:hlinkClick r:id="rId8"/>
             </a:endParaRPr>
           </a:p>
           <a:p>
             <a:r>
-              <a:rPr lang="en-US" sz="2400" dirty="0">
+              <a:rPr lang="en-US" sz="2000" dirty="0">
+                <a:hlinkClick r:id="rId8"/>
+              </a:rPr>
+              <a:t>Iterators</a:t>
+            </a:r>
+            <a:endParaRPr lang="en-US" sz="2000" dirty="0"/>
+          </a:p>
+          <a:p>
+            <a:r>
+              <a:rPr lang="en-US" sz="2000" dirty="0">
+                <a:hlinkClick r:id="rId9"/>
+              </a:rPr>
+              <a:t>Idiomatic Rust</a:t>
+            </a:r>
+            <a:endParaRPr lang="en-US" sz="2000" dirty="0">
+              <a:hlinkClick r:id="rId5"/>
+            </a:endParaRPr>
+          </a:p>
+          <a:p>
+            <a:r>
+              <a:rPr lang="en-US" sz="2000" dirty="0" err="1">
+                <a:hlinkClick r:id="rId5"/>
+              </a:rPr>
+              <a:t>Anim_Features</a:t>
+            </a:r>
+            <a:endParaRPr lang="en-US" sz="2000" dirty="0"/>
+          </a:p>
+          <a:p>
+            <a:r>
+              <a:rPr lang="en-US" sz="2000" dirty="0" err="1">
                 <a:hlinkClick r:id="rId10"/>
               </a:rPr>
-              <a:t>Iterators</a:t>
-            </a:r>
-            <a:endParaRPr lang="en-US" sz="2400" dirty="0"/>
-          </a:p>
-          <a:p>
-            <a:r>
-              <a:rPr lang="en-US" sz="2400" dirty="0">
-                <a:hlinkClick r:id="rId11"/>
-              </a:rPr>
-              <a:t>Idiomatic Rust</a:t>
-            </a:r>
-            <a:endParaRPr lang="en-US" sz="2400" dirty="0">
-              <a:hlinkClick r:id="rId9"/>
+              <a:t>DesignBites</a:t>
+            </a:r>
+            <a:endParaRPr lang="en-US" sz="2000" dirty="0">
+              <a:hlinkClick r:id="rId11" action="ppaction://hlinkfile"/>
             </a:endParaRPr>
           </a:p>
           <a:p>
             <a:r>
-              <a:rPr lang="en-US" sz="2400" dirty="0" err="1">
-                <a:hlinkClick r:id="rId9"/>
-              </a:rPr>
-              <a:t>Anim_Features</a:t>
-            </a:r>
-            <a:endParaRPr lang="en-US" sz="2400" dirty="0"/>
-          </a:p>
-          <a:p>
-            <a:r>
-              <a:rPr lang="en-US" sz="2400" dirty="0" err="1">
-                <a:hlinkClick r:id="rId12"/>
-              </a:rPr>
-              <a:t>DesignBites</a:t>
-            </a:r>
-            <a:endParaRPr lang="en-US" sz="2400" dirty="0">
-              <a:hlinkClick r:id="rId13" action="ppaction://hlinkfile"/>
-            </a:endParaRPr>
-          </a:p>
-          <a:p>
-            <a:r>
-              <a:rPr lang="en-US" sz="2400" b="1" dirty="0"/>
+              <a:rPr lang="en-US" sz="2000" b="1" dirty="0"/>
               <a:t>Questions?</a:t>
             </a:r>
           </a:p>
@@ -5567,19 +5531,19 @@
             <a:pPr marL="0" indent="0">
               <a:buNone/>
             </a:pPr>
-            <a:endParaRPr lang="en-US" sz="2400" dirty="0"/>
+            <a:endParaRPr lang="en-US" sz="2000" dirty="0"/>
           </a:p>
           <a:p>
             <a:pPr marL="0" indent="0">
               <a:buNone/>
             </a:pPr>
-            <a:endParaRPr lang="en-US" sz="2400" dirty="0"/>
+            <a:endParaRPr lang="en-US" sz="2000" dirty="0"/>
           </a:p>
           <a:p>
             <a:pPr marL="0" indent="0">
               <a:buNone/>
             </a:pPr>
-            <a:endParaRPr lang="en-US" sz="2400" dirty="0"/>
+            <a:endParaRPr lang="en-US" sz="2000" dirty="0"/>
           </a:p>
         </p:txBody>
       </p:sp>
@@ -5669,7 +5633,7 @@
             </a:r>
             <a:r>
               <a:rPr lang="en-US" dirty="0" err="1"/>
-              <a:t>TextSearch</a:t>
+              <a:t>CmdlnParser</a:t>
             </a:r>
             <a:endParaRPr lang="en-US" dirty="0"/>
           </a:p>
@@ -5706,10 +5670,10 @@
       </p:sp>
       <p:pic>
         <p:nvPicPr>
-          <p:cNvPr id="5" name="Picture 4" descr="Diagram&#10;&#10;Description automatically generated">
-            <a:extLst>
-              <a:ext uri="{FF2B5EF4-FFF2-40B4-BE49-F238E27FC236}">
-                <a16:creationId xmlns:a16="http://schemas.microsoft.com/office/drawing/2014/main" id="{6D6B83FC-6A40-4CF0-B44C-A441C57DDFF7}"/>
+          <p:cNvPr id="6" name="Picture 5" descr="Diagram&#10;&#10;Description automatically generated">
+            <a:extLst>
+              <a:ext uri="{FF2B5EF4-FFF2-40B4-BE49-F238E27FC236}">
+                <a16:creationId xmlns:a16="http://schemas.microsoft.com/office/drawing/2014/main" id="{1F57B411-5B8B-45E4-AD83-E68C008DE66A}"/>
               </a:ext>
             </a:extLst>
           </p:cNvPr>
@@ -5732,8 +5696,8 @@
         </p:blipFill>
         <p:spPr>
           <a:xfrm>
-            <a:off x="2714625" y="2133600"/>
-            <a:ext cx="6762750" cy="3619500"/>
+            <a:off x="1803733" y="1839912"/>
+            <a:ext cx="8266573" cy="4424363"/>
           </a:xfrm>
           <a:prstGeom prst="rect">
             <a:avLst/>
@@ -5862,17 +5826,29 @@
           </a:p>
           <a:p>
             <a:r>
-              <a:rPr lang="en-US" dirty="0"/>
+              <a:rPr lang="en-US" dirty="0">
+                <a:solidFill>
+                  <a:srgbClr val="C00000"/>
+                </a:solidFill>
+              </a:rPr>
               <a:t>Session #4</a:t>
             </a:r>
           </a:p>
           <a:p>
             <a:pPr lvl="1"/>
             <a:r>
-              <a:rPr lang="en-US" dirty="0" err="1"/>
+              <a:rPr lang="en-US" dirty="0" err="1">
+                <a:solidFill>
+                  <a:srgbClr val="C00000"/>
+                </a:solidFill>
+              </a:rPr>
               <a:t>CmdlnParser</a:t>
             </a:r>
-            <a:endParaRPr lang="en-US" dirty="0"/>
+            <a:endParaRPr lang="en-US" dirty="0">
+              <a:solidFill>
+                <a:srgbClr val="C00000"/>
+              </a:solidFill>
+            </a:endParaRPr>
           </a:p>
           <a:p>
             <a:r>
